--- a/2018.PSSaturday/pssaturday2018_pscore.pptx
+++ b/2018.PSSaturday/pssaturday2018_pscore.pptx
@@ -456,177 +456,13 @@
               <a:defRPr/>
             </a:pPr>
             <a:r>
-              <a:rPr lang="de-DE"/>
-              <a:t>Weitergabe oder Vervielfältigung nur mit Genehmigung des Autors</a:t>
-            </a:r>
-          </a:p>
-        </p:txBody>
-      </p:sp>
-      <p:sp>
-        <p:nvSpPr>
-          <p:cNvPr id="118788" name="Rectangle 4"/>
-          <p:cNvSpPr>
-            <a:spLocks noGrp="1" noChangeArrowheads="1"/>
-          </p:cNvSpPr>
-          <p:nvPr>
-            <p:ph type="ftr" sz="quarter" idx="2"/>
-          </p:nvPr>
-        </p:nvSpPr>
-        <p:spPr bwMode="auto">
-          <a:xfrm>
-            <a:off x="0" y="9721850"/>
-            <a:ext cx="3078163" cy="511175"/>
-          </a:xfrm>
-          <a:prstGeom prst="rect">
-            <a:avLst/>
-          </a:prstGeom>
-          <a:noFill/>
-          <a:ln w="9525">
-            <a:noFill/>
-            <a:miter lim="800000"/>
-            <a:headEnd/>
-            <a:tailEnd/>
-          </a:ln>
-          <a:effectLst/>
-        </p:spPr>
-        <p:txBody>
-          <a:bodyPr vert="horz" wrap="square" lIns="96493" tIns="48247" rIns="96493" bIns="48247" numCol="1" anchor="b" anchorCtr="0" compatLnSpc="1">
-            <a:prstTxWarp prst="textNoShape">
-              <a:avLst/>
-            </a:prstTxWarp>
-          </a:bodyPr>
-          <a:lstStyle>
-            <a:lvl1pPr defTabSz="965200">
-              <a:defRPr sz="1300">
-                <a:solidFill>
-                  <a:schemeClr val="tx1"/>
-                </a:solidFill>
-                <a:effectLst/>
-                <a:latin typeface="Arial" charset="0"/>
-              </a:defRPr>
-            </a:lvl1pPr>
-          </a:lstStyle>
-          <a:p>
-            <a:pPr>
-              <a:defRPr/>
-            </a:pPr>
+              <a:rPr lang="en-DE"/>
+              <a:t> </a:t>
+            </a:r>
             <a:endParaRPr lang="de-DE"/>
           </a:p>
         </p:txBody>
       </p:sp>
-      <p:sp>
-        <p:nvSpPr>
-          <p:cNvPr id="118789" name="Rectangle 5"/>
-          <p:cNvSpPr>
-            <a:spLocks noGrp="1" noChangeArrowheads="1"/>
-          </p:cNvSpPr>
-          <p:nvPr>
-            <p:ph type="sldNum" sz="quarter" idx="3"/>
-          </p:nvPr>
-        </p:nvSpPr>
-        <p:spPr bwMode="auto">
-          <a:xfrm>
-            <a:off x="4019550" y="9721850"/>
-            <a:ext cx="3078163" cy="511175"/>
-          </a:xfrm>
-          <a:prstGeom prst="rect">
-            <a:avLst/>
-          </a:prstGeom>
-          <a:noFill/>
-          <a:ln w="9525">
-            <a:noFill/>
-            <a:miter lim="800000"/>
-            <a:headEnd/>
-            <a:tailEnd/>
-          </a:ln>
-          <a:effectLst/>
-        </p:spPr>
-        <p:txBody>
-          <a:bodyPr vert="horz" wrap="square" lIns="96493" tIns="48247" rIns="96493" bIns="48247" numCol="1" anchor="b" anchorCtr="0" compatLnSpc="1">
-            <a:prstTxWarp prst="textNoShape">
-              <a:avLst/>
-            </a:prstTxWarp>
-          </a:bodyPr>
-          <a:lstStyle>
-            <a:lvl1pPr algn="r" defTabSz="965200">
-              <a:defRPr sz="1300">
-                <a:solidFill>
-                  <a:schemeClr val="tx1"/>
-                </a:solidFill>
-                <a:effectLst/>
-                <a:latin typeface="Arial" charset="0"/>
-              </a:defRPr>
-            </a:lvl1pPr>
-          </a:lstStyle>
-          <a:p>
-            <a:pPr>
-              <a:defRPr/>
-            </a:pPr>
-            <a:fld id="{89F6080D-010B-4BB8-A880-C44531D4C9AB}" type="slidenum">
-              <a:rPr lang="de-DE"/>
-              <a:pPr>
-                <a:defRPr/>
-              </a:pPr>
-              <a:t>‹Nr.›</a:t>
-            </a:fld>
-            <a:endParaRPr lang="de-DE"/>
-          </a:p>
-        </p:txBody>
-      </p:sp>
-      <p:pic>
-        <p:nvPicPr>
-          <p:cNvPr id="23557" name="Picture 6" descr="logo_v6-name"/>
-          <p:cNvPicPr>
-            <a:picLocks noChangeAspect="1" noChangeArrowheads="1"/>
-          </p:cNvPicPr>
-          <p:nvPr/>
-        </p:nvPicPr>
-        <p:blipFill>
-          <a:blip r:embed="rId2" cstate="print">
-            <a:extLst>
-              <a:ext uri="{28A0092B-C50C-407E-A947-70E740481C1C}">
-                <a14:useLocalDpi xmlns:a14="http://schemas.microsoft.com/office/drawing/2010/main" val="0"/>
-              </a:ext>
-            </a:extLst>
-          </a:blip>
-          <a:srcRect/>
-          <a:stretch>
-            <a:fillRect/>
-          </a:stretch>
-        </p:blipFill>
-        <p:spPr bwMode="auto">
-          <a:xfrm>
-            <a:off x="5065713" y="61913"/>
-            <a:ext cx="1844675" cy="431800"/>
-          </a:xfrm>
-          <a:prstGeom prst="rect">
-            <a:avLst/>
-          </a:prstGeom>
-          <a:noFill/>
-          <a:ln>
-            <a:noFill/>
-          </a:ln>
-          <a:extLst>
-            <a:ext uri="{909E8E84-426E-40DD-AFC4-6F175D3DCCD1}">
-              <a14:hiddenFill xmlns:a14="http://schemas.microsoft.com/office/drawing/2010/main">
-                <a:solidFill>
-                  <a:srgbClr val="FFFFFF"/>
-                </a:solidFill>
-              </a14:hiddenFill>
-            </a:ext>
-            <a:ext uri="{91240B29-F687-4F45-9708-019B960494DF}">
-              <a14:hiddenLine xmlns:a14="http://schemas.microsoft.com/office/drawing/2010/main" w="9525">
-                <a:solidFill>
-                  <a:srgbClr val="000000"/>
-                </a:solidFill>
-                <a:miter lim="800000"/>
-                <a:headEnd/>
-                <a:tailEnd/>
-              </a14:hiddenLine>
-            </a:ext>
-          </a:extLst>
-        </p:spPr>
-      </p:pic>
     </p:spTree>
     <p:extLst>
       <p:ext uri="{BB962C8B-B14F-4D97-AF65-F5344CB8AC3E}">
@@ -2744,7 +2580,7 @@
           <a:p>
             <a:fld id="{C764DE79-268F-4C1A-8933-263129D2AF90}" type="datetimeFigureOut">
               <a:rPr lang="en-US"/>
-              <a:t>10/2/2018</a:t>
+              <a:t>12/1/2018</a:t>
             </a:fld>
             <a:endParaRPr lang="en-US"/>
           </a:p>
@@ -3029,7 +2865,7 @@
           <a:p>
             <a:fld id="{C764DE79-268F-4C1A-8933-263129D2AF90}" type="datetimeFigureOut">
               <a:rPr lang="en-US"/>
-              <a:t>10/2/2018</a:t>
+              <a:t>12/1/2018</a:t>
             </a:fld>
             <a:endParaRPr lang="en-US"/>
           </a:p>
@@ -3294,7 +3130,7 @@
           <a:p>
             <a:fld id="{C764DE79-268F-4C1A-8933-263129D2AF90}" type="datetimeFigureOut">
               <a:rPr lang="en-US"/>
-              <a:t>10/2/2018</a:t>
+              <a:t>12/1/2018</a:t>
             </a:fld>
             <a:endParaRPr lang="en-US"/>
           </a:p>
@@ -3472,7 +3308,7 @@
           <a:p>
             <a:fld id="{C764DE79-268F-4C1A-8933-263129D2AF90}" type="datetimeFigureOut">
               <a:rPr lang="en-US"/>
-              <a:t>10/2/2018</a:t>
+              <a:t>12/1/2018</a:t>
             </a:fld>
             <a:endParaRPr lang="en-US"/>
           </a:p>
@@ -3660,7 +3496,7 @@
           <a:p>
             <a:fld id="{C764DE79-268F-4C1A-8933-263129D2AF90}" type="datetimeFigureOut">
               <a:rPr lang="en-US"/>
-              <a:t>10/2/2018</a:t>
+              <a:t>12/1/2018</a:t>
             </a:fld>
             <a:endParaRPr lang="en-US"/>
           </a:p>
@@ -4142,7 +3978,7 @@
           <a:p>
             <a:fld id="{C764DE79-268F-4C1A-8933-263129D2AF90}" type="datetimeFigureOut">
               <a:rPr lang="en-US"/>
-              <a:t>10/2/2018</a:t>
+              <a:t>12/1/2018</a:t>
             </a:fld>
             <a:endParaRPr lang="en-US"/>
           </a:p>
@@ -4320,7 +4156,7 @@
           <a:p>
             <a:fld id="{C764DE79-268F-4C1A-8933-263129D2AF90}" type="datetimeFigureOut">
               <a:rPr lang="en-US"/>
-              <a:t>10/2/2018</a:t>
+              <a:t>12/1/2018</a:t>
             </a:fld>
             <a:endParaRPr lang="en-US"/>
           </a:p>
@@ -4574,7 +4410,7 @@
           <a:p>
             <a:fld id="{C764DE79-268F-4C1A-8933-263129D2AF90}" type="datetimeFigureOut">
               <a:rPr lang="en-US"/>
-              <a:t>10/2/2018</a:t>
+              <a:t>12/1/2018</a:t>
             </a:fld>
             <a:endParaRPr lang="en-US"/>
           </a:p>
@@ -4814,7 +4650,7 @@
           <a:p>
             <a:fld id="{C764DE79-268F-4C1A-8933-263129D2AF90}" type="datetimeFigureOut">
               <a:rPr lang="en-US"/>
-              <a:t>10/2/2018</a:t>
+              <a:t>12/1/2018</a:t>
             </a:fld>
             <a:endParaRPr lang="en-US"/>
           </a:p>
@@ -5189,7 +5025,7 @@
           <a:p>
             <a:fld id="{C764DE79-268F-4C1A-8933-263129D2AF90}" type="datetimeFigureOut">
               <a:rPr lang="en-US"/>
-              <a:t>10/2/2018</a:t>
+              <a:t>12/1/2018</a:t>
             </a:fld>
             <a:endParaRPr lang="en-US"/>
           </a:p>
@@ -5315,7 +5151,7 @@
           <a:p>
             <a:fld id="{C764DE79-268F-4C1A-8933-263129D2AF90}" type="datetimeFigureOut">
               <a:rPr lang="en-US"/>
-              <a:t>10/2/2018</a:t>
+              <a:t>12/1/2018</a:t>
             </a:fld>
             <a:endParaRPr lang="en-US"/>
           </a:p>
@@ -6227,7 +6063,7 @@
           <a:p>
             <a:fld id="{C764DE79-268F-4C1A-8933-263129D2AF90}" type="datetimeFigureOut">
               <a:rPr lang="en-US"/>
-              <a:t>10/2/2018</a:t>
+              <a:t>12/1/2018</a:t>
             </a:fld>
             <a:endParaRPr lang="en-US"/>
           </a:p>
